--- a/AndroidAuto.pptx
+++ b/AndroidAuto.pptx
@@ -13,6 +13,7 @@
     <p:sldId id="261" r:id="rId7"/>
     <p:sldId id="262" r:id="rId8"/>
     <p:sldId id="263" r:id="rId9"/>
+    <p:sldId id="264" r:id="rId10"/>
   </p:sldIdLst>
   <p:sldSz cx="12192000" cy="6858000"/>
   <p:notesSz cx="6858000" cy="9144000"/>
@@ -111,7 +112,16 @@
       </a:defRPr>
     </a:lvl9pPr>
   </p:defaultTextStyle>
+  <p:extLst>
+    <p:ext uri="{EFAFB233-063F-42B5-8137-9DF3F51BA10A}">
+      <p15:sldGuideLst xmlns:p15="http://schemas.microsoft.com/office/powerpoint/2012/main"/>
+    </p:ext>
+  </p:extLst>
 </p:presentation>
+</file>
+
+<file path=ppt/revisionInfo.xml><?xml version="1.0" encoding="utf-8"?>
+<p1510:revInfo xmlns:a="http://schemas.openxmlformats.org/drawingml/2006/main" xmlns:r="http://schemas.openxmlformats.org/officeDocument/2006/relationships" xmlns:p1510="http://schemas.microsoft.com/office/powerpoint/2015/10/main"/>
 </file>
 
 <file path=ppt/slideLayouts/slideLayout1.xml><?xml version="1.0" encoding="utf-8"?>
@@ -263,7 +273,7 @@
           <a:p>
             <a:fld id="{04A76424-2107-444B-B78E-A8F6DC563778}" type="datetimeFigureOut">
               <a:rPr lang="fi-FI" smtClean="0"/>
-              <a:t>13.11.2017</a:t>
+              <a:t>14.11.2017</a:t>
             </a:fld>
             <a:endParaRPr lang="fi-FI"/>
           </a:p>
@@ -463,7 +473,7 @@
           <a:p>
             <a:fld id="{04A76424-2107-444B-B78E-A8F6DC563778}" type="datetimeFigureOut">
               <a:rPr lang="fi-FI" smtClean="0"/>
-              <a:t>13.11.2017</a:t>
+              <a:t>14.11.2017</a:t>
             </a:fld>
             <a:endParaRPr lang="fi-FI"/>
           </a:p>
@@ -673,7 +683,7 @@
           <a:p>
             <a:fld id="{04A76424-2107-444B-B78E-A8F6DC563778}" type="datetimeFigureOut">
               <a:rPr lang="fi-FI" smtClean="0"/>
-              <a:t>13.11.2017</a:t>
+              <a:t>14.11.2017</a:t>
             </a:fld>
             <a:endParaRPr lang="fi-FI"/>
           </a:p>
@@ -873,7 +883,7 @@
           <a:p>
             <a:fld id="{04A76424-2107-444B-B78E-A8F6DC563778}" type="datetimeFigureOut">
               <a:rPr lang="fi-FI" smtClean="0"/>
-              <a:t>13.11.2017</a:t>
+              <a:t>14.11.2017</a:t>
             </a:fld>
             <a:endParaRPr lang="fi-FI"/>
           </a:p>
@@ -1149,7 +1159,7 @@
           <a:p>
             <a:fld id="{04A76424-2107-444B-B78E-A8F6DC563778}" type="datetimeFigureOut">
               <a:rPr lang="fi-FI" smtClean="0"/>
-              <a:t>13.11.2017</a:t>
+              <a:t>14.11.2017</a:t>
             </a:fld>
             <a:endParaRPr lang="fi-FI"/>
           </a:p>
@@ -1417,7 +1427,7 @@
           <a:p>
             <a:fld id="{04A76424-2107-444B-B78E-A8F6DC563778}" type="datetimeFigureOut">
               <a:rPr lang="fi-FI" smtClean="0"/>
-              <a:t>13.11.2017</a:t>
+              <a:t>14.11.2017</a:t>
             </a:fld>
             <a:endParaRPr lang="fi-FI"/>
           </a:p>
@@ -1832,7 +1842,7 @@
           <a:p>
             <a:fld id="{04A76424-2107-444B-B78E-A8F6DC563778}" type="datetimeFigureOut">
               <a:rPr lang="fi-FI" smtClean="0"/>
-              <a:t>13.11.2017</a:t>
+              <a:t>14.11.2017</a:t>
             </a:fld>
             <a:endParaRPr lang="fi-FI"/>
           </a:p>
@@ -1974,7 +1984,7 @@
           <a:p>
             <a:fld id="{04A76424-2107-444B-B78E-A8F6DC563778}" type="datetimeFigureOut">
               <a:rPr lang="fi-FI" smtClean="0"/>
-              <a:t>13.11.2017</a:t>
+              <a:t>14.11.2017</a:t>
             </a:fld>
             <a:endParaRPr lang="fi-FI"/>
           </a:p>
@@ -2087,7 +2097,7 @@
           <a:p>
             <a:fld id="{04A76424-2107-444B-B78E-A8F6DC563778}" type="datetimeFigureOut">
               <a:rPr lang="fi-FI" smtClean="0"/>
-              <a:t>13.11.2017</a:t>
+              <a:t>14.11.2017</a:t>
             </a:fld>
             <a:endParaRPr lang="fi-FI"/>
           </a:p>
@@ -2400,7 +2410,7 @@
           <a:p>
             <a:fld id="{04A76424-2107-444B-B78E-A8F6DC563778}" type="datetimeFigureOut">
               <a:rPr lang="fi-FI" smtClean="0"/>
-              <a:t>13.11.2017</a:t>
+              <a:t>14.11.2017</a:t>
             </a:fld>
             <a:endParaRPr lang="fi-FI"/>
           </a:p>
@@ -2689,7 +2699,7 @@
           <a:p>
             <a:fld id="{04A76424-2107-444B-B78E-A8F6DC563778}" type="datetimeFigureOut">
               <a:rPr lang="fi-FI" smtClean="0"/>
-              <a:t>13.11.2017</a:t>
+              <a:t>14.11.2017</a:t>
             </a:fld>
             <a:endParaRPr lang="fi-FI"/>
           </a:p>
@@ -2932,7 +2942,7 @@
           <a:p>
             <a:fld id="{04A76424-2107-444B-B78E-A8F6DC563778}" type="datetimeFigureOut">
               <a:rPr lang="fi-FI" smtClean="0"/>
-              <a:t>13.11.2017</a:t>
+              <a:t>14.11.2017</a:t>
             </a:fld>
             <a:endParaRPr lang="fi-FI"/>
           </a:p>
@@ -4514,6 +4524,104 @@
 </p:sld>
 </file>
 
+<file path=ppt/slides/slide9.xml><?xml version="1.0" encoding="utf-8"?>
+<p:sld xmlns:a="http://schemas.openxmlformats.org/drawingml/2006/main" xmlns:r="http://schemas.openxmlformats.org/officeDocument/2006/relationships" xmlns:p="http://schemas.openxmlformats.org/presentationml/2006/main">
+  <p:cSld>
+    <p:spTree>
+      <p:nvGrpSpPr>
+        <p:cNvPr id="1" name=""/>
+        <p:cNvGrpSpPr/>
+        <p:nvPr/>
+      </p:nvGrpSpPr>
+      <p:grpSpPr>
+        <a:xfrm>
+          <a:off x="0" y="0"/>
+          <a:ext cx="0" cy="0"/>
+          <a:chOff x="0" y="0"/>
+          <a:chExt cx="0" cy="0"/>
+        </a:xfrm>
+      </p:grpSpPr>
+      <p:sp>
+        <p:nvSpPr>
+          <p:cNvPr id="2" name="Title 1">
+            <a:extLst>
+              <a:ext uri="{FF2B5EF4-FFF2-40B4-BE49-F238E27FC236}">
+                <a16:creationId xmlns:a16="http://schemas.microsoft.com/office/drawing/2014/main" id="{770E2C48-94B5-4C93-B195-F5B8B38C1DAB}"/>
+              </a:ext>
+            </a:extLst>
+          </p:cNvPr>
+          <p:cNvSpPr>
+            <a:spLocks noGrp="1"/>
+          </p:cNvSpPr>
+          <p:nvPr>
+            <p:ph type="title"/>
+          </p:nvPr>
+        </p:nvSpPr>
+        <p:spPr/>
+        <p:txBody>
+          <a:bodyPr/>
+          <a:lstStyle/>
+          <a:p>
+            <a:r>
+              <a:rPr lang="fi-FI" dirty="0"/>
+              <a:t>Testaus</a:t>
+            </a:r>
+          </a:p>
+        </p:txBody>
+      </p:sp>
+      <p:sp>
+        <p:nvSpPr>
+          <p:cNvPr id="3" name="Content Placeholder 2">
+            <a:extLst>
+              <a:ext uri="{FF2B5EF4-FFF2-40B4-BE49-F238E27FC236}">
+                <a16:creationId xmlns:a16="http://schemas.microsoft.com/office/drawing/2014/main" id="{C9553BA9-2CB5-43EF-8109-6043A5ADACF0}"/>
+              </a:ext>
+            </a:extLst>
+          </p:cNvPr>
+          <p:cNvSpPr>
+            <a:spLocks noGrp="1"/>
+          </p:cNvSpPr>
+          <p:nvPr>
+            <p:ph idx="1"/>
+          </p:nvPr>
+        </p:nvSpPr>
+        <p:spPr/>
+        <p:txBody>
+          <a:bodyPr/>
+          <a:lstStyle/>
+          <a:p>
+            <a:r>
+              <a:rPr lang="fi-FI" dirty="0"/>
+              <a:t>AndroidStudiolla ja emulaattorilla testaus onnistuu AndroidAutoAPI Simulatoreiden avulla</a:t>
+            </a:r>
+          </a:p>
+          <a:p>
+            <a:r>
+              <a:rPr lang="fi-FI" dirty="0"/>
+              <a:t>Simuloivat AndroidAuton viesti- ja audiotoiminnallisuutta</a:t>
+            </a:r>
+          </a:p>
+          <a:p>
+            <a:r>
+              <a:rPr lang="fi-FI" dirty="0"/>
+              <a:t>Asennettava emulaattorille adb install–komennoilla</a:t>
+            </a:r>
+          </a:p>
+        </p:txBody>
+      </p:sp>
+    </p:spTree>
+    <p:extLst>
+      <p:ext uri="{BB962C8B-B14F-4D97-AF65-F5344CB8AC3E}">
+        <p14:creationId xmlns:p14="http://schemas.microsoft.com/office/powerpoint/2010/main" val="1568655553"/>
+      </p:ext>
+    </p:extLst>
+  </p:cSld>
+  <p:clrMapOvr>
+    <a:masterClrMapping/>
+  </p:clrMapOvr>
+</p:sld>
+</file>
+
 <file path=ppt/theme/theme1.xml><?xml version="1.0" encoding="utf-8"?>
 <a:theme xmlns:a="http://schemas.openxmlformats.org/drawingml/2006/main" name="Office Theme">
   <a:themeElements>

--- a/AndroidAuto.pptx
+++ b/AndroidAuto.pptx
@@ -14,6 +14,7 @@
     <p:sldId id="262" r:id="rId8"/>
     <p:sldId id="263" r:id="rId9"/>
     <p:sldId id="264" r:id="rId10"/>
+    <p:sldId id="265" r:id="rId11"/>
   </p:sldIdLst>
   <p:sldSz cx="12192000" cy="6858000"/>
   <p:notesSz cx="6858000" cy="9144000"/>
@@ -3436,6 +3437,123 @@
 </p:sld>
 </file>
 
+<file path=ppt/slides/slide10.xml><?xml version="1.0" encoding="utf-8"?>
+<p:sld xmlns:a="http://schemas.openxmlformats.org/drawingml/2006/main" xmlns:r="http://schemas.openxmlformats.org/officeDocument/2006/relationships" xmlns:p="http://schemas.openxmlformats.org/presentationml/2006/main">
+  <p:cSld>
+    <p:spTree>
+      <p:nvGrpSpPr>
+        <p:cNvPr id="1" name=""/>
+        <p:cNvGrpSpPr/>
+        <p:nvPr/>
+      </p:nvGrpSpPr>
+      <p:grpSpPr>
+        <a:xfrm>
+          <a:off x="0" y="0"/>
+          <a:ext cx="0" cy="0"/>
+          <a:chOff x="0" y="0"/>
+          <a:chExt cx="0" cy="0"/>
+        </a:xfrm>
+      </p:grpSpPr>
+      <p:sp>
+        <p:nvSpPr>
+          <p:cNvPr id="2" name="Title 1">
+            <a:extLst>
+              <a:ext uri="{FF2B5EF4-FFF2-40B4-BE49-F238E27FC236}">
+                <a16:creationId xmlns:a16="http://schemas.microsoft.com/office/drawing/2014/main" id="{439952F3-AD87-4255-9A73-D024FC50F9BC}"/>
+              </a:ext>
+            </a:extLst>
+          </p:cNvPr>
+          <p:cNvSpPr>
+            <a:spLocks noGrp="1"/>
+          </p:cNvSpPr>
+          <p:nvPr>
+            <p:ph type="title"/>
+          </p:nvPr>
+        </p:nvSpPr>
+        <p:spPr/>
+        <p:txBody>
+          <a:bodyPr/>
+          <a:lstStyle/>
+          <a:p>
+            <a:r>
+              <a:rPr lang="fi-FI" dirty="0"/>
+              <a:t>Lähteet</a:t>
+            </a:r>
+            <a:endParaRPr lang="en-US" dirty="0"/>
+          </a:p>
+        </p:txBody>
+      </p:sp>
+      <p:sp>
+        <p:nvSpPr>
+          <p:cNvPr id="3" name="Content Placeholder 2">
+            <a:extLst>
+              <a:ext uri="{FF2B5EF4-FFF2-40B4-BE49-F238E27FC236}">
+                <a16:creationId xmlns:a16="http://schemas.microsoft.com/office/drawing/2014/main" id="{23111F10-C711-43A0-8206-8656DD0E5450}"/>
+              </a:ext>
+            </a:extLst>
+          </p:cNvPr>
+          <p:cNvSpPr>
+            <a:spLocks noGrp="1"/>
+          </p:cNvSpPr>
+          <p:nvPr>
+            <p:ph idx="1"/>
+          </p:nvPr>
+        </p:nvSpPr>
+        <p:spPr>
+          <a:xfrm>
+            <a:off x="731668" y="1852258"/>
+            <a:ext cx="10515600" cy="4351338"/>
+          </a:xfrm>
+        </p:spPr>
+        <p:txBody>
+          <a:bodyPr/>
+          <a:lstStyle/>
+          <a:p>
+            <a:r>
+              <a:rPr lang="en-US" dirty="0">
+                <a:hlinkClick r:id="rId2"/>
+              </a:rPr>
+              <a:t>https://developer.android.com/training/auto/start/index.html</a:t>
+            </a:r>
+            <a:endParaRPr lang="en-US" dirty="0"/>
+          </a:p>
+          <a:p>
+            <a:endParaRPr lang="fi-FI" dirty="0"/>
+          </a:p>
+          <a:p>
+            <a:r>
+              <a:rPr lang="fi-FI"/>
+              <a:t>https://www.youtube.com/watch?v=gSVLuaOTIPk</a:t>
+            </a:r>
+            <a:endParaRPr lang="fi-FI" dirty="0"/>
+          </a:p>
+          <a:p>
+            <a:endParaRPr lang="fi-FI" dirty="0"/>
+          </a:p>
+          <a:p>
+            <a:r>
+              <a:rPr lang="fi-FI" dirty="0"/>
+              <a:t>https://www.youtube.com/watch?v=Q96Sw6v4ULg</a:t>
+            </a:r>
+          </a:p>
+          <a:p>
+            <a:endParaRPr lang="en-US" dirty="0"/>
+          </a:p>
+        </p:txBody>
+      </p:sp>
+    </p:spTree>
+    <p:extLst>
+      <p:ext uri="{BB962C8B-B14F-4D97-AF65-F5344CB8AC3E}">
+        <p14:creationId xmlns:p14="http://schemas.microsoft.com/office/powerpoint/2010/main" val="1932826907"/>
+      </p:ext>
+    </p:extLst>
+  </p:cSld>
+  <p:clrMapOvr>
+    <a:masterClrMapping/>
+  </p:clrMapOvr>
+</p:sld>
+</file>
+
 <file path=ppt/slides/slide2.xml><?xml version="1.0" encoding="utf-8"?>
 <p:sld xmlns:a="http://schemas.openxmlformats.org/drawingml/2006/main" xmlns:r="http://schemas.openxmlformats.org/officeDocument/2006/relationships" xmlns:p="http://schemas.openxmlformats.org/presentationml/2006/main">
   <p:cSld>

--- a/AndroidAuto.pptx
+++ b/AndroidAuto.pptx
@@ -3522,10 +3522,9 @@
           </a:p>
           <a:p>
             <a:r>
-              <a:rPr lang="fi-FI"/>
+              <a:rPr lang="fi-FI" dirty="0"/>
               <a:t>https://www.youtube.com/watch?v=gSVLuaOTIPk</a:t>
             </a:r>
-            <a:endParaRPr lang="fi-FI" dirty="0"/>
           </a:p>
           <a:p>
             <a:endParaRPr lang="fi-FI" dirty="0"/>
@@ -4710,7 +4709,7 @@
           <a:p>
             <a:r>
               <a:rPr lang="fi-FI" dirty="0"/>
-              <a:t>AndroidStudiolla ja emulaattorilla testaus onnistuu AndroidAutoAPI Simulatoreiden avulla</a:t>
+              <a:t>AndroidStudiolla ja emulaattorilla testaus onnistuu AndroidAutoAPI Simulatoreiden avulla helposti</a:t>
             </a:r>
           </a:p>
           <a:p>
@@ -4724,6 +4723,19 @@
               <a:rPr lang="fi-FI" dirty="0"/>
               <a:t>Asennettava emulaattorille adb install–komennoilla</a:t>
             </a:r>
+          </a:p>
+          <a:p>
+            <a:r>
+              <a:rPr lang="fi-FI" dirty="0"/>
+              <a:t>DHU Desktop Head Unit -emulaattori emuloi koko Android Auton toiminnallisuutta</a:t>
+            </a:r>
+          </a:p>
+          <a:p>
+            <a:r>
+              <a:rPr lang="fi-FI"/>
+              <a:t>DHU työkoneelle, Android Auto puhelimeen, yhteys adb:n kautta</a:t>
+            </a:r>
+            <a:endParaRPr lang="fi-FI" dirty="0"/>
           </a:p>
         </p:txBody>
       </p:sp>
